--- a/src/assets/img/unused/logo.pptx
+++ b/src/assets/img/unused/logo.pptx
@@ -10,6 +10,7 @@
     <p:sldId id="260" r:id="rId4"/>
     <p:sldId id="261" r:id="rId5"/>
     <p:sldId id="262" r:id="rId6"/>
+    <p:sldId id="263" r:id="rId7"/>
   </p:sldIdLst>
   <p:sldSz cx="12192000" cy="6858000"/>
   <p:notesSz cx="6858000" cy="9144000"/>
@@ -130,7 +131,7 @@
 <file path=ppt/revisionInfo.xml><?xml version="1.0" encoding="utf-8"?>
 <p1510:revInfo xmlns:a="http://schemas.openxmlformats.org/drawingml/2006/main" xmlns:r="http://schemas.openxmlformats.org/officeDocument/2006/relationships" xmlns:p1510="http://schemas.microsoft.com/office/powerpoint/2015/10/main">
   <p1510:revLst>
-    <p1510:client id="{E0DA3ADD-02C0-4C2F-8687-734A59D77711}" v="925" dt="2021-08-28T19:41:57.247"/>
+    <p1510:client id="{5FEADF59-4DA8-465B-B66B-24D41E0128FB}" v="8" dt="2021-10-05T23:48:13.519"/>
   </p1510:revLst>
 </p1510:revInfo>
 </file>
@@ -458,6 +459,110 @@
       </pc:sldChg>
     </pc:docChg>
   </pc:docChgLst>
+  <pc:docChgLst>
+    <pc:chgData name="Kristijan Ross" userId="49fb4d8794d8b418" providerId="LiveId" clId="{5FEADF59-4DA8-465B-B66B-24D41E0128FB}"/>
+    <pc:docChg chg="undo redo custSel addSld modSld">
+      <pc:chgData name="Kristijan Ross" userId="49fb4d8794d8b418" providerId="LiveId" clId="{5FEADF59-4DA8-465B-B66B-24D41E0128FB}" dt="2021-10-05T23:48:13.519" v="81" actId="164"/>
+      <pc:docMkLst>
+        <pc:docMk/>
+      </pc:docMkLst>
+      <pc:sldChg chg="addSp delSp modSp add mod setBg">
+        <pc:chgData name="Kristijan Ross" userId="49fb4d8794d8b418" providerId="LiveId" clId="{5FEADF59-4DA8-465B-B66B-24D41E0128FB}" dt="2021-10-05T23:48:13.519" v="81" actId="164"/>
+        <pc:sldMkLst>
+          <pc:docMk/>
+          <pc:sldMk cId="3798674987" sldId="263"/>
+        </pc:sldMkLst>
+        <pc:spChg chg="add mod">
+          <ac:chgData name="Kristijan Ross" userId="49fb4d8794d8b418" providerId="LiveId" clId="{5FEADF59-4DA8-465B-B66B-24D41E0128FB}" dt="2021-10-05T23:48:13.519" v="81" actId="164"/>
+          <ac:spMkLst>
+            <pc:docMk/>
+            <pc:sldMk cId="3798674987" sldId="263"/>
+            <ac:spMk id="2" creationId="{94BCA52F-68A2-4042-87D4-E38AA5499F4A}"/>
+          </ac:spMkLst>
+        </pc:spChg>
+        <pc:spChg chg="del topLvl">
+          <ac:chgData name="Kristijan Ross" userId="49fb4d8794d8b418" providerId="LiveId" clId="{5FEADF59-4DA8-465B-B66B-24D41E0128FB}" dt="2021-10-05T23:39:47.916" v="23" actId="478"/>
+          <ac:spMkLst>
+            <pc:docMk/>
+            <pc:sldMk cId="3798674987" sldId="263"/>
+            <ac:spMk id="3" creationId="{2EEBE139-E171-470C-B33A-F5B16A37EFD5}"/>
+          </ac:spMkLst>
+        </pc:spChg>
+        <pc:spChg chg="del mod topLvl">
+          <ac:chgData name="Kristijan Ross" userId="49fb4d8794d8b418" providerId="LiveId" clId="{5FEADF59-4DA8-465B-B66B-24D41E0128FB}" dt="2021-10-05T23:39:39.367" v="22" actId="478"/>
+          <ac:spMkLst>
+            <pc:docMk/>
+            <pc:sldMk cId="3798674987" sldId="263"/>
+            <ac:spMk id="5" creationId="{8C5ACB80-78BA-4EBC-ABEF-E9D69E962CD6}"/>
+          </ac:spMkLst>
+        </pc:spChg>
+        <pc:spChg chg="mod">
+          <ac:chgData name="Kristijan Ross" userId="49fb4d8794d8b418" providerId="LiveId" clId="{5FEADF59-4DA8-465B-B66B-24D41E0128FB}" dt="2021-10-05T23:39:32.100" v="20" actId="12789"/>
+          <ac:spMkLst>
+            <pc:docMk/>
+            <pc:sldMk cId="3798674987" sldId="263"/>
+            <ac:spMk id="6" creationId="{7B15755D-A0DC-4150-8E71-297627040119}"/>
+          </ac:spMkLst>
+        </pc:spChg>
+        <pc:spChg chg="add mod">
+          <ac:chgData name="Kristijan Ross" userId="49fb4d8794d8b418" providerId="LiveId" clId="{5FEADF59-4DA8-465B-B66B-24D41E0128FB}" dt="2021-10-05T23:48:13.519" v="81" actId="164"/>
+          <ac:spMkLst>
+            <pc:docMk/>
+            <pc:sldMk cId="3798674987" sldId="263"/>
+            <ac:spMk id="7" creationId="{3033133B-3A9E-4A7A-9406-7BFCC4ABB2D0}"/>
+          </ac:spMkLst>
+        </pc:spChg>
+        <pc:spChg chg="add mod">
+          <ac:chgData name="Kristijan Ross" userId="49fb4d8794d8b418" providerId="LiveId" clId="{5FEADF59-4DA8-465B-B66B-24D41E0128FB}" dt="2021-10-05T23:48:13.519" v="81" actId="164"/>
+          <ac:spMkLst>
+            <pc:docMk/>
+            <pc:sldMk cId="3798674987" sldId="263"/>
+            <ac:spMk id="8" creationId="{60B94FB6-CA44-481B-AC79-B54DCF137DD9}"/>
+          </ac:spMkLst>
+        </pc:spChg>
+        <pc:spChg chg="add del mod">
+          <ac:chgData name="Kristijan Ross" userId="49fb4d8794d8b418" providerId="LiveId" clId="{5FEADF59-4DA8-465B-B66B-24D41E0128FB}" dt="2021-10-05T23:44:11.515" v="57"/>
+          <ac:spMkLst>
+            <pc:docMk/>
+            <pc:sldMk cId="3798674987" sldId="263"/>
+            <ac:spMk id="9" creationId="{2DBA200C-973A-4FE3-AF16-A3A07745BA52}"/>
+          </ac:spMkLst>
+        </pc:spChg>
+        <pc:spChg chg="add mod">
+          <ac:chgData name="Kristijan Ross" userId="49fb4d8794d8b418" providerId="LiveId" clId="{5FEADF59-4DA8-465B-B66B-24D41E0128FB}" dt="2021-10-05T23:48:13.519" v="81" actId="164"/>
+          <ac:spMkLst>
+            <pc:docMk/>
+            <pc:sldMk cId="3798674987" sldId="263"/>
+            <ac:spMk id="10" creationId="{F40981CB-E281-4653-88AF-EEFB0AB26E25}"/>
+          </ac:spMkLst>
+        </pc:spChg>
+        <pc:spChg chg="add mod">
+          <ac:chgData name="Kristijan Ross" userId="49fb4d8794d8b418" providerId="LiveId" clId="{5FEADF59-4DA8-465B-B66B-24D41E0128FB}" dt="2021-10-05T23:48:13.519" v="81" actId="164"/>
+          <ac:spMkLst>
+            <pc:docMk/>
+            <pc:sldMk cId="3798674987" sldId="263"/>
+            <ac:spMk id="11" creationId="{29D07265-2A59-436C-8D11-4B1D263002AF}"/>
+          </ac:spMkLst>
+        </pc:spChg>
+        <pc:grpChg chg="del">
+          <ac:chgData name="Kristijan Ross" userId="49fb4d8794d8b418" providerId="LiveId" clId="{5FEADF59-4DA8-465B-B66B-24D41E0128FB}" dt="2021-10-05T23:39:39.367" v="22" actId="478"/>
+          <ac:grpSpMkLst>
+            <pc:docMk/>
+            <pc:sldMk cId="3798674987" sldId="263"/>
+            <ac:grpSpMk id="4" creationId="{7E0BFAB7-19FE-465A-B631-D1AF08719427}"/>
+          </ac:grpSpMkLst>
+        </pc:grpChg>
+        <pc:grpChg chg="add mod">
+          <ac:chgData name="Kristijan Ross" userId="49fb4d8794d8b418" providerId="LiveId" clId="{5FEADF59-4DA8-465B-B66B-24D41E0128FB}" dt="2021-10-05T23:48:13.519" v="81" actId="164"/>
+          <ac:grpSpMkLst>
+            <pc:docMk/>
+            <pc:sldMk cId="3798674987" sldId="263"/>
+            <ac:grpSpMk id="12" creationId="{927D7B1A-0639-4746-9B57-63BD1D56FF31}"/>
+          </ac:grpSpMkLst>
+        </pc:grpChg>
+      </pc:sldChg>
+    </pc:docChg>
+  </pc:docChgLst>
 </pc:chgInfo>
 </file>
 
@@ -608,7 +713,7 @@
           <a:p>
             <a:fld id="{D847D1FC-E6D4-4755-8865-25DC251ACD5F}" type="datetimeFigureOut">
               <a:rPr lang="en-US" smtClean="0"/>
-              <a:t>8/28/2021</a:t>
+              <a:t>10/6/2021</a:t>
             </a:fld>
             <a:endParaRPr lang="en-US"/>
           </a:p>
@@ -806,7 +911,7 @@
           <a:p>
             <a:fld id="{D847D1FC-E6D4-4755-8865-25DC251ACD5F}" type="datetimeFigureOut">
               <a:rPr lang="en-US" smtClean="0"/>
-              <a:t>8/28/2021</a:t>
+              <a:t>10/6/2021</a:t>
             </a:fld>
             <a:endParaRPr lang="en-US"/>
           </a:p>
@@ -1014,7 +1119,7 @@
           <a:p>
             <a:fld id="{D847D1FC-E6D4-4755-8865-25DC251ACD5F}" type="datetimeFigureOut">
               <a:rPr lang="en-US" smtClean="0"/>
-              <a:t>8/28/2021</a:t>
+              <a:t>10/6/2021</a:t>
             </a:fld>
             <a:endParaRPr lang="en-US"/>
           </a:p>
@@ -1212,7 +1317,7 @@
           <a:p>
             <a:fld id="{D847D1FC-E6D4-4755-8865-25DC251ACD5F}" type="datetimeFigureOut">
               <a:rPr lang="en-US" smtClean="0"/>
-              <a:t>8/28/2021</a:t>
+              <a:t>10/6/2021</a:t>
             </a:fld>
             <a:endParaRPr lang="en-US"/>
           </a:p>
@@ -1487,7 +1592,7 @@
           <a:p>
             <a:fld id="{D847D1FC-E6D4-4755-8865-25DC251ACD5F}" type="datetimeFigureOut">
               <a:rPr lang="en-US" smtClean="0"/>
-              <a:t>8/28/2021</a:t>
+              <a:t>10/6/2021</a:t>
             </a:fld>
             <a:endParaRPr lang="en-US"/>
           </a:p>
@@ -1752,7 +1857,7 @@
           <a:p>
             <a:fld id="{D847D1FC-E6D4-4755-8865-25DC251ACD5F}" type="datetimeFigureOut">
               <a:rPr lang="en-US" smtClean="0"/>
-              <a:t>8/28/2021</a:t>
+              <a:t>10/6/2021</a:t>
             </a:fld>
             <a:endParaRPr lang="en-US"/>
           </a:p>
@@ -2164,7 +2269,7 @@
           <a:p>
             <a:fld id="{D847D1FC-E6D4-4755-8865-25DC251ACD5F}" type="datetimeFigureOut">
               <a:rPr lang="en-US" smtClean="0"/>
-              <a:t>8/28/2021</a:t>
+              <a:t>10/6/2021</a:t>
             </a:fld>
             <a:endParaRPr lang="en-US"/>
           </a:p>
@@ -2305,7 +2410,7 @@
           <a:p>
             <a:fld id="{D847D1FC-E6D4-4755-8865-25DC251ACD5F}" type="datetimeFigureOut">
               <a:rPr lang="en-US" smtClean="0"/>
-              <a:t>8/28/2021</a:t>
+              <a:t>10/6/2021</a:t>
             </a:fld>
             <a:endParaRPr lang="en-US"/>
           </a:p>
@@ -2418,7 +2523,7 @@
           <a:p>
             <a:fld id="{D847D1FC-E6D4-4755-8865-25DC251ACD5F}" type="datetimeFigureOut">
               <a:rPr lang="en-US" smtClean="0"/>
-              <a:t>8/28/2021</a:t>
+              <a:t>10/6/2021</a:t>
             </a:fld>
             <a:endParaRPr lang="en-US"/>
           </a:p>
@@ -2729,7 +2834,7 @@
           <a:p>
             <a:fld id="{D847D1FC-E6D4-4755-8865-25DC251ACD5F}" type="datetimeFigureOut">
               <a:rPr lang="en-US" smtClean="0"/>
-              <a:t>8/28/2021</a:t>
+              <a:t>10/6/2021</a:t>
             </a:fld>
             <a:endParaRPr lang="en-US"/>
           </a:p>
@@ -3017,7 +3122,7 @@
           <a:p>
             <a:fld id="{D847D1FC-E6D4-4755-8865-25DC251ACD5F}" type="datetimeFigureOut">
               <a:rPr lang="en-US" smtClean="0"/>
-              <a:t>8/28/2021</a:t>
+              <a:t>10/6/2021</a:t>
             </a:fld>
             <a:endParaRPr lang="en-US"/>
           </a:p>
@@ -3258,7 +3363,7 @@
           <a:p>
             <a:fld id="{D847D1FC-E6D4-4755-8865-25DC251ACD5F}" type="datetimeFigureOut">
               <a:rPr lang="en-US" smtClean="0"/>
-              <a:t>8/28/2021</a:t>
+              <a:t>10/6/2021</a:t>
             </a:fld>
             <a:endParaRPr lang="en-US"/>
           </a:p>
@@ -5033,6 +5138,352 @@
 </p:sld>
 </file>
 
+<file path=ppt/slides/slide6.xml><?xml version="1.0" encoding="utf-8"?>
+<p:sld xmlns:a="http://schemas.openxmlformats.org/drawingml/2006/main" xmlns:r="http://schemas.openxmlformats.org/officeDocument/2006/relationships" xmlns:p="http://schemas.openxmlformats.org/presentationml/2006/main">
+  <p:cSld>
+    <p:spTree>
+      <p:nvGrpSpPr>
+        <p:cNvPr id="1" name=""/>
+        <p:cNvGrpSpPr/>
+        <p:nvPr/>
+      </p:nvGrpSpPr>
+      <p:grpSpPr>
+        <a:xfrm>
+          <a:off x="0" y="0"/>
+          <a:ext cx="0" cy="0"/>
+          <a:chOff x="0" y="0"/>
+          <a:chExt cx="0" cy="0"/>
+        </a:xfrm>
+      </p:grpSpPr>
+      <p:sp>
+        <p:nvSpPr>
+          <p:cNvPr id="6" name="TextBox 5">
+            <a:extLst>
+              <a:ext uri="{FF2B5EF4-FFF2-40B4-BE49-F238E27FC236}">
+                <a16:creationId xmlns:a16="http://schemas.microsoft.com/office/drawing/2014/main" id="{7B15755D-A0DC-4150-8E71-297627040119}"/>
+              </a:ext>
+            </a:extLst>
+          </p:cNvPr>
+          <p:cNvSpPr txBox="1"/>
+          <p:nvPr/>
+        </p:nvSpPr>
+        <p:spPr>
+          <a:xfrm>
+            <a:off x="8818325" y="3075057"/>
+            <a:ext cx="2370718" cy="707886"/>
+          </a:xfrm>
+          <a:prstGeom prst="rect">
+            <a:avLst/>
+          </a:prstGeom>
+          <a:noFill/>
+        </p:spPr>
+        <p:txBody>
+          <a:bodyPr wrap="square" rtlCol="0">
+            <a:spAutoFit/>
+          </a:bodyPr>
+          <a:lstStyle/>
+          <a:p>
+            <a:pPr algn="l"/>
+            <a:r>
+              <a:rPr lang="hr-HR" sz="4000" b="0" i="0" noProof="1">
+                <a:solidFill>
+                  <a:srgbClr val="FF0000"/>
+                </a:solidFill>
+                <a:effectLst/>
+                <a:latin typeface="Roboto" panose="020B0604020202020204" pitchFamily="2" charset="0"/>
+              </a:rPr>
+              <a:t>Standard</a:t>
+            </a:r>
+            <a:endParaRPr lang="en-US" sz="4000" b="0" i="0" noProof="1">
+              <a:solidFill>
+                <a:srgbClr val="FF0000"/>
+              </a:solidFill>
+              <a:effectLst/>
+              <a:latin typeface="Roboto" panose="020B0604020202020204" pitchFamily="2" charset="0"/>
+            </a:endParaRPr>
+          </a:p>
+        </p:txBody>
+      </p:sp>
+      <p:grpSp>
+        <p:nvGrpSpPr>
+          <p:cNvPr id="12" name="Group 11">
+            <a:extLst>
+              <a:ext uri="{FF2B5EF4-FFF2-40B4-BE49-F238E27FC236}">
+                <a16:creationId xmlns:a16="http://schemas.microsoft.com/office/drawing/2014/main" id="{927D7B1A-0639-4746-9B57-63BD1D56FF31}"/>
+              </a:ext>
+            </a:extLst>
+          </p:cNvPr>
+          <p:cNvGrpSpPr/>
+          <p:nvPr/>
+        </p:nvGrpSpPr>
+        <p:grpSpPr>
+          <a:xfrm>
+            <a:off x="5319585" y="2736503"/>
+            <a:ext cx="1243912" cy="1046441"/>
+            <a:chOff x="5319585" y="2736503"/>
+            <a:chExt cx="1243912" cy="1046441"/>
+          </a:xfrm>
+        </p:grpSpPr>
+        <p:sp>
+          <p:nvSpPr>
+            <p:cNvPr id="2" name="TextBox 1">
+              <a:extLst>
+                <a:ext uri="{FF2B5EF4-FFF2-40B4-BE49-F238E27FC236}">
+                  <a16:creationId xmlns:a16="http://schemas.microsoft.com/office/drawing/2014/main" id="{94BCA52F-68A2-4042-87D4-E38AA5499F4A}"/>
+                </a:ext>
+              </a:extLst>
+            </p:cNvPr>
+            <p:cNvSpPr txBox="1"/>
+            <p:nvPr/>
+          </p:nvSpPr>
+          <p:spPr>
+            <a:xfrm>
+              <a:off x="5319585" y="2736503"/>
+              <a:ext cx="265669" cy="707886"/>
+            </a:xfrm>
+            <a:prstGeom prst="rect">
+              <a:avLst/>
+            </a:prstGeom>
+            <a:noFill/>
+          </p:spPr>
+          <p:txBody>
+            <a:bodyPr wrap="square" rtlCol="0">
+              <a:spAutoFit/>
+            </a:bodyPr>
+            <a:lstStyle/>
+            <a:p>
+              <a:r>
+                <a:rPr lang="hr-HR" sz="3900" dirty="0">
+                  <a:solidFill>
+                    <a:srgbClr val="313439"/>
+                  </a:solidFill>
+                  <a:latin typeface="Open Sans Semibold" panose="020B0706030804020204" pitchFamily="34" charset="0"/>
+                  <a:ea typeface="Open Sans Semibold" panose="020B0706030804020204" pitchFamily="34" charset="0"/>
+                  <a:cs typeface="Open Sans Semibold" panose="020B0706030804020204" pitchFamily="34" charset="0"/>
+                </a:rPr>
+                <a:t>e</a:t>
+              </a:r>
+            </a:p>
+          </p:txBody>
+        </p:sp>
+        <p:sp>
+          <p:nvSpPr>
+            <p:cNvPr id="7" name="TextBox 6">
+              <a:extLst>
+                <a:ext uri="{FF2B5EF4-FFF2-40B4-BE49-F238E27FC236}">
+                  <a16:creationId xmlns:a16="http://schemas.microsoft.com/office/drawing/2014/main" id="{3033133B-3A9E-4A7A-9406-7BFCC4ABB2D0}"/>
+                </a:ext>
+              </a:extLst>
+            </p:cNvPr>
+            <p:cNvSpPr txBox="1"/>
+            <p:nvPr/>
+          </p:nvSpPr>
+          <p:spPr>
+            <a:xfrm>
+              <a:off x="5585254" y="2751892"/>
+              <a:ext cx="978243" cy="1031052"/>
+            </a:xfrm>
+            <a:prstGeom prst="rect">
+              <a:avLst/>
+            </a:prstGeom>
+            <a:noFill/>
+          </p:spPr>
+          <p:txBody>
+            <a:bodyPr wrap="square" rtlCol="0">
+              <a:spAutoFit/>
+            </a:bodyPr>
+            <a:lstStyle/>
+            <a:p>
+              <a:r>
+                <a:rPr lang="hr-HR" sz="6000" dirty="0">
+                  <a:solidFill>
+                    <a:srgbClr val="313439"/>
+                  </a:solidFill>
+                  <a:latin typeface="Open Sans Semibold" panose="020B0706030804020204" pitchFamily="34" charset="0"/>
+                  <a:ea typeface="Open Sans Semibold" panose="020B0706030804020204" pitchFamily="34" charset="0"/>
+                  <a:cs typeface="Open Sans Semibold" panose="020B0706030804020204" pitchFamily="34" charset="0"/>
+                </a:rPr>
+                <a:t>D</a:t>
+              </a:r>
+            </a:p>
+          </p:txBody>
+        </p:sp>
+        <p:sp>
+          <p:nvSpPr>
+            <p:cNvPr id="8" name="Rectangle: Rounded Corners 7">
+              <a:extLst>
+                <a:ext uri="{FF2B5EF4-FFF2-40B4-BE49-F238E27FC236}">
+                  <a16:creationId xmlns:a16="http://schemas.microsoft.com/office/drawing/2014/main" id="{60B94FB6-CA44-481B-AC79-B54DCF137DD9}"/>
+                </a:ext>
+              </a:extLst>
+            </p:cNvPr>
+            <p:cNvSpPr/>
+            <p:nvPr/>
+          </p:nvSpPr>
+          <p:spPr>
+            <a:xfrm>
+              <a:off x="5446395" y="3301702"/>
+              <a:ext cx="238126" cy="48260"/>
+            </a:xfrm>
+            <a:prstGeom prst="roundRect">
+              <a:avLst>
+                <a:gd name="adj" fmla="val 50000"/>
+              </a:avLst>
+            </a:prstGeom>
+            <a:solidFill>
+              <a:srgbClr val="2EBE6C"/>
+            </a:solidFill>
+            <a:ln>
+              <a:noFill/>
+            </a:ln>
+          </p:spPr>
+          <p:style>
+            <a:lnRef idx="2">
+              <a:schemeClr val="accent1">
+                <a:shade val="50000"/>
+              </a:schemeClr>
+            </a:lnRef>
+            <a:fillRef idx="1">
+              <a:schemeClr val="accent1"/>
+            </a:fillRef>
+            <a:effectRef idx="0">
+              <a:schemeClr val="accent1"/>
+            </a:effectRef>
+            <a:fontRef idx="minor">
+              <a:schemeClr val="lt1"/>
+            </a:fontRef>
+          </p:style>
+          <p:txBody>
+            <a:bodyPr rtlCol="0" anchor="ctr"/>
+            <a:lstStyle/>
+            <a:p>
+              <a:pPr algn="ctr"/>
+              <a:endParaRPr lang="hr-HR"/>
+            </a:p>
+          </p:txBody>
+        </p:sp>
+        <p:sp>
+          <p:nvSpPr>
+            <p:cNvPr id="10" name="Rectangle: Rounded Corners 9">
+              <a:extLst>
+                <a:ext uri="{FF2B5EF4-FFF2-40B4-BE49-F238E27FC236}">
+                  <a16:creationId xmlns:a16="http://schemas.microsoft.com/office/drawing/2014/main" id="{F40981CB-E281-4653-88AF-EEFB0AB26E25}"/>
+                </a:ext>
+              </a:extLst>
+            </p:cNvPr>
+            <p:cNvSpPr/>
+            <p:nvPr/>
+          </p:nvSpPr>
+          <p:spPr>
+            <a:xfrm>
+              <a:off x="5446395" y="3380740"/>
+              <a:ext cx="238126" cy="48260"/>
+            </a:xfrm>
+            <a:prstGeom prst="roundRect">
+              <a:avLst>
+                <a:gd name="adj" fmla="val 50000"/>
+              </a:avLst>
+            </a:prstGeom>
+            <a:solidFill>
+              <a:srgbClr val="BE71B0"/>
+            </a:solidFill>
+            <a:ln>
+              <a:noFill/>
+            </a:ln>
+          </p:spPr>
+          <p:style>
+            <a:lnRef idx="2">
+              <a:schemeClr val="accent1">
+                <a:shade val="50000"/>
+              </a:schemeClr>
+            </a:lnRef>
+            <a:fillRef idx="1">
+              <a:schemeClr val="accent1"/>
+            </a:fillRef>
+            <a:effectRef idx="0">
+              <a:schemeClr val="accent1"/>
+            </a:effectRef>
+            <a:fontRef idx="minor">
+              <a:schemeClr val="lt1"/>
+            </a:fontRef>
+          </p:style>
+          <p:txBody>
+            <a:bodyPr rtlCol="0" anchor="ctr"/>
+            <a:lstStyle/>
+            <a:p>
+              <a:pPr algn="ctr"/>
+              <a:endParaRPr lang="hr-HR"/>
+            </a:p>
+          </p:txBody>
+        </p:sp>
+        <p:sp>
+          <p:nvSpPr>
+            <p:cNvPr id="11" name="Rectangle: Rounded Corners 10">
+              <a:extLst>
+                <a:ext uri="{FF2B5EF4-FFF2-40B4-BE49-F238E27FC236}">
+                  <a16:creationId xmlns:a16="http://schemas.microsoft.com/office/drawing/2014/main" id="{29D07265-2A59-436C-8D11-4B1D263002AF}"/>
+                </a:ext>
+              </a:extLst>
+            </p:cNvPr>
+            <p:cNvSpPr/>
+            <p:nvPr/>
+          </p:nvSpPr>
+          <p:spPr>
+            <a:xfrm>
+              <a:off x="5446395" y="3459778"/>
+              <a:ext cx="238126" cy="53341"/>
+            </a:xfrm>
+            <a:prstGeom prst="roundRect">
+              <a:avLst>
+                <a:gd name="adj" fmla="val 50000"/>
+              </a:avLst>
+            </a:prstGeom>
+            <a:solidFill>
+              <a:srgbClr val="3390C9"/>
+            </a:solidFill>
+            <a:ln>
+              <a:noFill/>
+            </a:ln>
+          </p:spPr>
+          <p:style>
+            <a:lnRef idx="2">
+              <a:schemeClr val="accent1">
+                <a:shade val="50000"/>
+              </a:schemeClr>
+            </a:lnRef>
+            <a:fillRef idx="1">
+              <a:schemeClr val="accent1"/>
+            </a:fillRef>
+            <a:effectRef idx="0">
+              <a:schemeClr val="accent1"/>
+            </a:effectRef>
+            <a:fontRef idx="minor">
+              <a:schemeClr val="lt1"/>
+            </a:fontRef>
+          </p:style>
+          <p:txBody>
+            <a:bodyPr rtlCol="0" anchor="ctr"/>
+            <a:lstStyle/>
+            <a:p>
+              <a:pPr algn="ctr"/>
+              <a:endParaRPr lang="hr-HR"/>
+            </a:p>
+          </p:txBody>
+        </p:sp>
+      </p:grpSp>
+    </p:spTree>
+    <p:extLst>
+      <p:ext uri="{BB962C8B-B14F-4D97-AF65-F5344CB8AC3E}">
+        <p14:creationId xmlns:p14="http://schemas.microsoft.com/office/powerpoint/2010/main" val="3798674987"/>
+      </p:ext>
+    </p:extLst>
+  </p:cSld>
+  <p:clrMapOvr>
+    <a:masterClrMapping/>
+  </p:clrMapOvr>
+</p:sld>
+</file>
+
 <file path=ppt/theme/theme1.xml><?xml version="1.0" encoding="utf-8"?>
 <a:theme xmlns:a="http://schemas.openxmlformats.org/drawingml/2006/main" name="Office Theme">
   <a:themeElements>

--- a/src/assets/img/unused/logo.pptx
+++ b/src/assets/img/unused/logo.pptx
@@ -10,7 +10,8 @@
     <p:sldId id="260" r:id="rId4"/>
     <p:sldId id="261" r:id="rId5"/>
     <p:sldId id="262" r:id="rId6"/>
-    <p:sldId id="263" r:id="rId7"/>
+    <p:sldId id="264" r:id="rId7"/>
+    <p:sldId id="263" r:id="rId8"/>
   </p:sldIdLst>
   <p:sldSz cx="12192000" cy="6858000"/>
   <p:notesSz cx="6858000" cy="9144000"/>
@@ -713,7 +714,7 @@
           <a:p>
             <a:fld id="{D847D1FC-E6D4-4755-8865-25DC251ACD5F}" type="datetimeFigureOut">
               <a:rPr lang="en-US" smtClean="0"/>
-              <a:t>10/6/2021</a:t>
+              <a:t>11/9/2021</a:t>
             </a:fld>
             <a:endParaRPr lang="en-US"/>
           </a:p>
@@ -911,7 +912,7 @@
           <a:p>
             <a:fld id="{D847D1FC-E6D4-4755-8865-25DC251ACD5F}" type="datetimeFigureOut">
               <a:rPr lang="en-US" smtClean="0"/>
-              <a:t>10/6/2021</a:t>
+              <a:t>11/9/2021</a:t>
             </a:fld>
             <a:endParaRPr lang="en-US"/>
           </a:p>
@@ -1119,7 +1120,7 @@
           <a:p>
             <a:fld id="{D847D1FC-E6D4-4755-8865-25DC251ACD5F}" type="datetimeFigureOut">
               <a:rPr lang="en-US" smtClean="0"/>
-              <a:t>10/6/2021</a:t>
+              <a:t>11/9/2021</a:t>
             </a:fld>
             <a:endParaRPr lang="en-US"/>
           </a:p>
@@ -1317,7 +1318,7 @@
           <a:p>
             <a:fld id="{D847D1FC-E6D4-4755-8865-25DC251ACD5F}" type="datetimeFigureOut">
               <a:rPr lang="en-US" smtClean="0"/>
-              <a:t>10/6/2021</a:t>
+              <a:t>11/9/2021</a:t>
             </a:fld>
             <a:endParaRPr lang="en-US"/>
           </a:p>
@@ -1592,7 +1593,7 @@
           <a:p>
             <a:fld id="{D847D1FC-E6D4-4755-8865-25DC251ACD5F}" type="datetimeFigureOut">
               <a:rPr lang="en-US" smtClean="0"/>
-              <a:t>10/6/2021</a:t>
+              <a:t>11/9/2021</a:t>
             </a:fld>
             <a:endParaRPr lang="en-US"/>
           </a:p>
@@ -1857,7 +1858,7 @@
           <a:p>
             <a:fld id="{D847D1FC-E6D4-4755-8865-25DC251ACD5F}" type="datetimeFigureOut">
               <a:rPr lang="en-US" smtClean="0"/>
-              <a:t>10/6/2021</a:t>
+              <a:t>11/9/2021</a:t>
             </a:fld>
             <a:endParaRPr lang="en-US"/>
           </a:p>
@@ -2269,7 +2270,7 @@
           <a:p>
             <a:fld id="{D847D1FC-E6D4-4755-8865-25DC251ACD5F}" type="datetimeFigureOut">
               <a:rPr lang="en-US" smtClean="0"/>
-              <a:t>10/6/2021</a:t>
+              <a:t>11/9/2021</a:t>
             </a:fld>
             <a:endParaRPr lang="en-US"/>
           </a:p>
@@ -2410,7 +2411,7 @@
           <a:p>
             <a:fld id="{D847D1FC-E6D4-4755-8865-25DC251ACD5F}" type="datetimeFigureOut">
               <a:rPr lang="en-US" smtClean="0"/>
-              <a:t>10/6/2021</a:t>
+              <a:t>11/9/2021</a:t>
             </a:fld>
             <a:endParaRPr lang="en-US"/>
           </a:p>
@@ -2523,7 +2524,7 @@
           <a:p>
             <a:fld id="{D847D1FC-E6D4-4755-8865-25DC251ACD5F}" type="datetimeFigureOut">
               <a:rPr lang="en-US" smtClean="0"/>
-              <a:t>10/6/2021</a:t>
+              <a:t>11/9/2021</a:t>
             </a:fld>
             <a:endParaRPr lang="en-US"/>
           </a:p>
@@ -2834,7 +2835,7 @@
           <a:p>
             <a:fld id="{D847D1FC-E6D4-4755-8865-25DC251ACD5F}" type="datetimeFigureOut">
               <a:rPr lang="en-US" smtClean="0"/>
-              <a:t>10/6/2021</a:t>
+              <a:t>11/9/2021</a:t>
             </a:fld>
             <a:endParaRPr lang="en-US"/>
           </a:p>
@@ -3122,7 +3123,7 @@
           <a:p>
             <a:fld id="{D847D1FC-E6D4-4755-8865-25DC251ACD5F}" type="datetimeFigureOut">
               <a:rPr lang="en-US" smtClean="0"/>
-              <a:t>10/6/2021</a:t>
+              <a:t>11/9/2021</a:t>
             </a:fld>
             <a:endParaRPr lang="en-US"/>
           </a:p>
@@ -3363,7 +3364,7 @@
           <a:p>
             <a:fld id="{D847D1FC-E6D4-4755-8865-25DC251ACD5F}" type="datetimeFigureOut">
               <a:rPr lang="en-US" smtClean="0"/>
-              <a:t>10/6/2021</a:t>
+              <a:t>11/9/2021</a:t>
             </a:fld>
             <a:endParaRPr lang="en-US"/>
           </a:p>
@@ -5139,6 +5140,266 @@
 </file>
 
 <file path=ppt/slides/slide6.xml><?xml version="1.0" encoding="utf-8"?>
+<p:sld xmlns:a="http://schemas.openxmlformats.org/drawingml/2006/main" xmlns:r="http://schemas.openxmlformats.org/officeDocument/2006/relationships" xmlns:p="http://schemas.openxmlformats.org/presentationml/2006/main">
+  <p:cSld>
+    <p:spTree>
+      <p:nvGrpSpPr>
+        <p:cNvPr id="1" name=""/>
+        <p:cNvGrpSpPr/>
+        <p:nvPr/>
+      </p:nvGrpSpPr>
+      <p:grpSpPr>
+        <a:xfrm>
+          <a:off x="0" y="0"/>
+          <a:ext cx="0" cy="0"/>
+          <a:chOff x="0" y="0"/>
+          <a:chExt cx="0" cy="0"/>
+        </a:xfrm>
+      </p:grpSpPr>
+      <p:grpSp>
+        <p:nvGrpSpPr>
+          <p:cNvPr id="4" name="Group 3">
+            <a:extLst>
+              <a:ext uri="{FF2B5EF4-FFF2-40B4-BE49-F238E27FC236}">
+                <a16:creationId xmlns:a16="http://schemas.microsoft.com/office/drawing/2014/main" id="{7E0BFAB7-19FE-465A-B631-D1AF08719427}"/>
+              </a:ext>
+            </a:extLst>
+          </p:cNvPr>
+          <p:cNvGrpSpPr/>
+          <p:nvPr/>
+        </p:nvGrpSpPr>
+        <p:grpSpPr>
+          <a:xfrm>
+            <a:off x="4970571" y="2349183"/>
+            <a:ext cx="2250858" cy="2159635"/>
+            <a:chOff x="4970571" y="2320872"/>
+            <a:chExt cx="2250858" cy="2159635"/>
+          </a:xfrm>
+        </p:grpSpPr>
+        <p:sp>
+          <p:nvSpPr>
+            <p:cNvPr id="3" name="Rectangle: Rounded Corners 2">
+              <a:extLst>
+                <a:ext uri="{FF2B5EF4-FFF2-40B4-BE49-F238E27FC236}">
+                  <a16:creationId xmlns:a16="http://schemas.microsoft.com/office/drawing/2014/main" id="{2EEBE139-E171-470C-B33A-F5B16A37EFD5}"/>
+                </a:ext>
+              </a:extLst>
+            </p:cNvPr>
+            <p:cNvSpPr/>
+            <p:nvPr/>
+          </p:nvSpPr>
+          <p:spPr>
+            <a:xfrm>
+              <a:off x="5044492" y="2320872"/>
+              <a:ext cx="2159635" cy="2159635"/>
+            </a:xfrm>
+            <a:prstGeom prst="roundRect">
+              <a:avLst/>
+            </a:prstGeom>
+            <a:solidFill>
+              <a:srgbClr val="051E34"/>
+            </a:solidFill>
+            <a:ln>
+              <a:noFill/>
+            </a:ln>
+          </p:spPr>
+          <p:style>
+            <a:lnRef idx="2">
+              <a:schemeClr val="accent1">
+                <a:shade val="50000"/>
+              </a:schemeClr>
+            </a:lnRef>
+            <a:fillRef idx="1">
+              <a:schemeClr val="accent1"/>
+            </a:fillRef>
+            <a:effectRef idx="0">
+              <a:schemeClr val="accent1"/>
+            </a:effectRef>
+            <a:fontRef idx="minor">
+              <a:schemeClr val="lt1"/>
+            </a:fontRef>
+          </p:style>
+          <p:txBody>
+            <a:bodyPr rot="0" spcFirstLastPara="0" vert="horz" wrap="square" lIns="91440" tIns="45720" rIns="91440" bIns="45720" numCol="1" spcCol="0" rtlCol="0" fromWordArt="0" anchor="ctr" anchorCtr="0" forceAA="0" compatLnSpc="1">
+              <a:prstTxWarp prst="textNoShape">
+                <a:avLst/>
+              </a:prstTxWarp>
+              <a:noAutofit/>
+            </a:bodyPr>
+            <a:lstStyle/>
+            <a:p>
+              <a:endParaRPr lang="en-US"/>
+            </a:p>
+          </p:txBody>
+        </p:sp>
+        <p:sp>
+          <p:nvSpPr>
+            <p:cNvPr id="5" name="Text Box 2">
+              <a:extLst>
+                <a:ext uri="{FF2B5EF4-FFF2-40B4-BE49-F238E27FC236}">
+                  <a16:creationId xmlns:a16="http://schemas.microsoft.com/office/drawing/2014/main" id="{8C5ACB80-78BA-4EBC-ABEF-E9D69E962CD6}"/>
+                </a:ext>
+              </a:extLst>
+            </p:cNvPr>
+            <p:cNvSpPr txBox="1">
+              <a:spLocks noChangeArrowheads="1"/>
+            </p:cNvSpPr>
+            <p:nvPr/>
+          </p:nvSpPr>
+          <p:spPr bwMode="auto">
+            <a:xfrm rot="19258686">
+              <a:off x="4970571" y="2414907"/>
+              <a:ext cx="2250858" cy="1971565"/>
+            </a:xfrm>
+            <a:prstGeom prst="rect">
+              <a:avLst/>
+            </a:prstGeom>
+            <a:noFill/>
+            <a:ln w="9525">
+              <a:noFill/>
+              <a:miter lim="800000"/>
+              <a:headEnd/>
+              <a:tailEnd/>
+            </a:ln>
+          </p:spPr>
+          <p:txBody>
+            <a:bodyPr rot="0" vert="horz" wrap="square" lIns="91440" tIns="45720" rIns="91440" bIns="45720" anchor="ctr" anchorCtr="0">
+              <a:spAutoFit/>
+            </a:bodyPr>
+            <a:lstStyle/>
+            <a:p>
+              <a:pPr algn="ctr">
+                <a:lnSpc>
+                  <a:spcPct val="107000"/>
+                </a:lnSpc>
+                <a:spcAft>
+                  <a:spcPts val="800"/>
+                </a:spcAft>
+              </a:pPr>
+              <a:r>
+                <a:rPr lang="en-US" sz="12000" b="1" dirty="0">
+                  <a:ln w="76200">
+                    <a:noFill/>
+                  </a:ln>
+                  <a:solidFill>
+                    <a:schemeClr val="accent1">
+                      <a:lumMod val="20000"/>
+                      <a:lumOff val="80000"/>
+                    </a:schemeClr>
+                  </a:solidFill>
+                  <a:effectLst>
+                    <a:outerShdw blurRad="76200" sx="109000" sy="109000" algn="ctr" rotWithShape="0">
+                      <a:srgbClr val="2296DA">
+                        <a:alpha val="70000"/>
+                      </a:srgbClr>
+                    </a:outerShdw>
+                  </a:effectLst>
+                  <a:latin typeface="Open Sans SemiBold" panose="020B0604020202020204" pitchFamily="34" charset="0"/>
+                  <a:ea typeface="Open Sans SemiBold" panose="020B0604020202020204" pitchFamily="34" charset="0"/>
+                  <a:cs typeface="Open Sans SemiBold" panose="020B0604020202020204" pitchFamily="34" charset="0"/>
+                </a:rPr>
+                <a:t>eD</a:t>
+              </a:r>
+              <a:endParaRPr lang="en-US" sz="1100" b="1" dirty="0">
+                <a:ln w="76200">
+                  <a:noFill/>
+                </a:ln>
+                <a:solidFill>
+                  <a:schemeClr val="accent1">
+                    <a:lumMod val="20000"/>
+                    <a:lumOff val="80000"/>
+                  </a:schemeClr>
+                </a:solidFill>
+                <a:effectLst>
+                  <a:outerShdw blurRad="76200" sx="109000" sy="109000" algn="ctr" rotWithShape="0">
+                    <a:srgbClr val="2296DA">
+                      <a:alpha val="70000"/>
+                    </a:srgbClr>
+                  </a:outerShdw>
+                </a:effectLst>
+                <a:latin typeface="Open Sans SemiBold" panose="020B0604020202020204" pitchFamily="34" charset="0"/>
+                <a:ea typeface="Open Sans SemiBold" panose="020B0604020202020204" pitchFamily="34" charset="0"/>
+                <a:cs typeface="Open Sans SemiBold" panose="020B0604020202020204" pitchFamily="34" charset="0"/>
+              </a:endParaRPr>
+            </a:p>
+          </p:txBody>
+        </p:sp>
+      </p:grpSp>
+      <p:sp>
+        <p:nvSpPr>
+          <p:cNvPr id="6" name="TextBox 5">
+            <a:extLst>
+              <a:ext uri="{FF2B5EF4-FFF2-40B4-BE49-F238E27FC236}">
+                <a16:creationId xmlns:a16="http://schemas.microsoft.com/office/drawing/2014/main" id="{7B15755D-A0DC-4150-8E71-297627040119}"/>
+              </a:ext>
+            </a:extLst>
+          </p:cNvPr>
+          <p:cNvSpPr txBox="1"/>
+          <p:nvPr/>
+        </p:nvSpPr>
+        <p:spPr>
+          <a:xfrm>
+            <a:off x="8818325" y="2459504"/>
+            <a:ext cx="1935269" cy="1323439"/>
+          </a:xfrm>
+          <a:prstGeom prst="rect">
+            <a:avLst/>
+          </a:prstGeom>
+          <a:noFill/>
+        </p:spPr>
+        <p:txBody>
+          <a:bodyPr wrap="square" rtlCol="0">
+            <a:spAutoFit/>
+          </a:bodyPr>
+          <a:lstStyle/>
+          <a:p>
+            <a:pPr algn="l"/>
+            <a:r>
+              <a:rPr lang="hr-HR" sz="4000" b="0" i="0" noProof="1">
+                <a:solidFill>
+                  <a:srgbClr val="FF0000"/>
+                </a:solidFill>
+                <a:effectLst/>
+                <a:latin typeface="Roboto" panose="020B0604020202020204" pitchFamily="2" charset="0"/>
+              </a:rPr>
+              <a:t>Current</a:t>
+            </a:r>
+          </a:p>
+          <a:p>
+            <a:pPr algn="l"/>
+            <a:r>
+              <a:rPr lang="hr-HR" sz="4000" noProof="1">
+                <a:solidFill>
+                  <a:srgbClr val="FF0000"/>
+                </a:solidFill>
+                <a:latin typeface="Roboto" panose="020B0604020202020204" pitchFamily="2" charset="0"/>
+              </a:rPr>
+              <a:t>CWS</a:t>
+            </a:r>
+            <a:endParaRPr lang="en-US" sz="4000" b="0" i="0" noProof="1">
+              <a:solidFill>
+                <a:srgbClr val="FF0000"/>
+              </a:solidFill>
+              <a:effectLst/>
+              <a:latin typeface="Roboto" panose="020B0604020202020204" pitchFamily="2" charset="0"/>
+            </a:endParaRPr>
+          </a:p>
+        </p:txBody>
+      </p:sp>
+    </p:spTree>
+    <p:extLst>
+      <p:ext uri="{BB962C8B-B14F-4D97-AF65-F5344CB8AC3E}">
+        <p14:creationId xmlns:p14="http://schemas.microsoft.com/office/powerpoint/2010/main" val="1679538170"/>
+      </p:ext>
+    </p:extLst>
+  </p:cSld>
+  <p:clrMapOvr>
+    <a:masterClrMapping/>
+  </p:clrMapOvr>
+</p:sld>
+</file>
+
+<file path=ppt/slides/slide7.xml><?xml version="1.0" encoding="utf-8"?>
 <p:sld xmlns:a="http://schemas.openxmlformats.org/drawingml/2006/main" xmlns:r="http://schemas.openxmlformats.org/officeDocument/2006/relationships" xmlns:p="http://schemas.openxmlformats.org/presentationml/2006/main">
   <p:cSld>
     <p:spTree>
